--- a/Lab 02/Lab 02.pptx
+++ b/Lab 02/Lab 02.pptx
@@ -5,26 +5,28 @@
     <p:sldMasterId id="2147483648" r:id="rId1"/>
   </p:sldMasterIdLst>
   <p:notesMasterIdLst>
-    <p:notesMasterId r:id="rId16"/>
+    <p:notesMasterId r:id="rId18"/>
   </p:notesMasterIdLst>
   <p:handoutMasterIdLst>
-    <p:handoutMasterId r:id="rId17"/>
+    <p:handoutMasterId r:id="rId19"/>
   </p:handoutMasterIdLst>
   <p:sldIdLst>
     <p:sldId id="256" r:id="rId2"/>
     <p:sldId id="257" r:id="rId3"/>
-    <p:sldId id="1106" r:id="rId4"/>
-    <p:sldId id="1096" r:id="rId5"/>
+    <p:sldId id="1096" r:id="rId4"/>
+    <p:sldId id="1108" r:id="rId5"/>
     <p:sldId id="1105" r:id="rId6"/>
     <p:sldId id="1097" r:id="rId7"/>
     <p:sldId id="1098" r:id="rId8"/>
-    <p:sldId id="1099" r:id="rId9"/>
-    <p:sldId id="1100" r:id="rId10"/>
-    <p:sldId id="1101" r:id="rId11"/>
-    <p:sldId id="1102" r:id="rId12"/>
-    <p:sldId id="1107" r:id="rId13"/>
-    <p:sldId id="1103" r:id="rId14"/>
-    <p:sldId id="1104" r:id="rId15"/>
+    <p:sldId id="1109" r:id="rId9"/>
+    <p:sldId id="1099" r:id="rId10"/>
+    <p:sldId id="1100" r:id="rId11"/>
+    <p:sldId id="1101" r:id="rId12"/>
+    <p:sldId id="1102" r:id="rId13"/>
+    <p:sldId id="1107" r:id="rId14"/>
+    <p:sldId id="1103" r:id="rId15"/>
+    <p:sldId id="1104" r:id="rId16"/>
+    <p:sldId id="1110" r:id="rId17"/>
   </p:sldIdLst>
   <p:sldSz cx="9144000" cy="6858000" type="screen4x3"/>
   <p:notesSz cx="6858000" cy="9144000"/>
@@ -704,7 +706,15 @@
           <a:bodyPr/>
           <a:lstStyle/>
           <a:p>
-            <a:endParaRPr lang="en-US" baseline="0" dirty="0"/>
+            <a:pPr lvl="1">
+              <a:buFont typeface="Arial" panose="020B0604020202020204" pitchFamily="34" charset="0"/>
+              <a:buChar char="•"/>
+            </a:pPr>
+            <a:r>
+              <a:rPr lang="en-US" dirty="0" err="1"/>
+              <a:t>Hélio</a:t>
+            </a:r>
+            <a:endParaRPr lang="en-US" dirty="0"/>
           </a:p>
         </p:txBody>
       </p:sp>
@@ -735,7 +745,95 @@
     </p:spTree>
     <p:extLst>
       <p:ext uri="{BB962C8B-B14F-4D97-AF65-F5344CB8AC3E}">
-        <p14:creationId xmlns:p14="http://schemas.microsoft.com/office/powerpoint/2010/main" val="736990054"/>
+        <p14:creationId xmlns:p14="http://schemas.microsoft.com/office/powerpoint/2010/main" val="1355792998"/>
+      </p:ext>
+    </p:extLst>
+  </p:cSld>
+  <p:clrMapOvr>
+    <a:masterClrMapping/>
+  </p:clrMapOvr>
+</p:notes>
+</file>
+
+<file path=ppt/notesSlides/notesSlide10.xml><?xml version="1.0" encoding="utf-8"?>
+<p:notes xmlns:a="http://schemas.openxmlformats.org/drawingml/2006/main" xmlns:r="http://schemas.openxmlformats.org/officeDocument/2006/relationships" xmlns:p="http://schemas.openxmlformats.org/presentationml/2006/main">
+  <p:cSld>
+    <p:spTree>
+      <p:nvGrpSpPr>
+        <p:cNvPr id="1" name=""/>
+        <p:cNvGrpSpPr/>
+        <p:nvPr/>
+      </p:nvGrpSpPr>
+      <p:grpSpPr>
+        <a:xfrm>
+          <a:off x="0" y="0"/>
+          <a:ext cx="0" cy="0"/>
+          <a:chOff x="0" y="0"/>
+          <a:chExt cx="0" cy="0"/>
+        </a:xfrm>
+      </p:grpSpPr>
+      <p:sp>
+        <p:nvSpPr>
+          <p:cNvPr id="2" name="Slide Image Placeholder 1"/>
+          <p:cNvSpPr>
+            <a:spLocks noGrp="1" noRot="1" noChangeAspect="1"/>
+          </p:cNvSpPr>
+          <p:nvPr>
+            <p:ph type="sldImg"/>
+          </p:nvPr>
+        </p:nvSpPr>
+        <p:spPr/>
+      </p:sp>
+      <p:sp>
+        <p:nvSpPr>
+          <p:cNvPr id="3" name="Notes Placeholder 2"/>
+          <p:cNvSpPr>
+            <a:spLocks noGrp="1"/>
+          </p:cNvSpPr>
+          <p:nvPr>
+            <p:ph type="body" idx="1"/>
+          </p:nvPr>
+        </p:nvSpPr>
+        <p:spPr/>
+        <p:txBody>
+          <a:bodyPr/>
+          <a:lstStyle/>
+          <a:p>
+            <a:r>
+              <a:rPr lang="en-US" baseline="0" dirty="0"/>
+              <a:t>Regouga</a:t>
+            </a:r>
+          </a:p>
+        </p:txBody>
+      </p:sp>
+      <p:sp>
+        <p:nvSpPr>
+          <p:cNvPr id="4" name="Slide Number Placeholder 3"/>
+          <p:cNvSpPr>
+            <a:spLocks noGrp="1"/>
+          </p:cNvSpPr>
+          <p:nvPr>
+            <p:ph type="sldNum" sz="quarter" idx="10"/>
+          </p:nvPr>
+        </p:nvSpPr>
+        <p:spPr/>
+        <p:txBody>
+          <a:bodyPr/>
+          <a:lstStyle/>
+          <a:p>
+            <a:fld id="{F535F173-C1DD-4975-94BF-5B9ED67F7674}" type="slidenum">
+              <a:rPr lang="en-US" smtClean="0"/>
+              <a:pPr/>
+              <a:t>16</a:t>
+            </a:fld>
+            <a:endParaRPr lang="en-US"/>
+          </a:p>
+        </p:txBody>
+      </p:sp>
+    </p:spTree>
+    <p:extLst>
+      <p:ext uri="{BB962C8B-B14F-4D97-AF65-F5344CB8AC3E}">
+        <p14:creationId xmlns:p14="http://schemas.microsoft.com/office/powerpoint/2010/main" val="3762080902"/>
       </p:ext>
     </p:extLst>
   </p:cSld>
@@ -795,37 +893,7 @@
             </a:pPr>
             <a:r>
               <a:rPr lang="en-US" dirty="0"/>
-              <a:t>The top streamed songs in Spotify</a:t>
-            </a:r>
-          </a:p>
-          <a:p>
-            <a:pPr lvl="1">
-              <a:buFont typeface="Arial" panose="020B0604020202020204" pitchFamily="34" charset="0"/>
-              <a:buChar char="•"/>
-            </a:pPr>
-            <a:r>
-              <a:rPr lang="en-US" dirty="0"/>
-              <a:t>Grouped by country (the 53 countries where Spotify is available)</a:t>
-            </a:r>
-          </a:p>
-          <a:p>
-            <a:pPr lvl="1">
-              <a:buFont typeface="Arial" panose="020B0604020202020204" pitchFamily="34" charset="0"/>
-              <a:buChar char="•"/>
-            </a:pPr>
-            <a:r>
-              <a:rPr lang="en-US" dirty="0"/>
-              <a:t>Grouped by day</a:t>
-            </a:r>
-          </a:p>
-          <a:p>
-            <a:pPr lvl="1">
-              <a:buFont typeface="Arial" panose="020B0604020202020204" pitchFamily="34" charset="0"/>
-              <a:buChar char="•"/>
-            </a:pPr>
-            <a:r>
-              <a:rPr lang="en-US" dirty="0"/>
-              <a:t>365 days</a:t>
+              <a:t>Regouga</a:t>
             </a:r>
           </a:p>
         </p:txBody>
@@ -857,7 +925,7 @@
     </p:spTree>
     <p:extLst>
       <p:ext uri="{BB962C8B-B14F-4D97-AF65-F5344CB8AC3E}">
-        <p14:creationId xmlns:p14="http://schemas.microsoft.com/office/powerpoint/2010/main" val="1355792998"/>
+        <p14:creationId xmlns:p14="http://schemas.microsoft.com/office/powerpoint/2010/main" val="1831291765"/>
       </p:ext>
     </p:extLst>
   </p:cSld>
@@ -911,7 +979,10 @@
           <a:bodyPr/>
           <a:lstStyle/>
           <a:p>
-            <a:endParaRPr lang="en-US" baseline="0" dirty="0"/>
+            <a:r>
+              <a:rPr lang="en-US" baseline="0" dirty="0"/>
+              <a:t>Pina</a:t>
+            </a:r>
           </a:p>
         </p:txBody>
       </p:sp>
@@ -996,6 +1067,10 @@
           <a:bodyPr/>
           <a:lstStyle/>
           <a:p>
+            <a:r>
+              <a:rPr lang="en-US" baseline="0" dirty="0" err="1"/>
+              <a:t>Hélio</a:t>
+            </a:r>
             <a:endParaRPr lang="en-US" baseline="0" dirty="0"/>
           </a:p>
         </p:txBody>
@@ -1081,7 +1156,10 @@
           <a:bodyPr/>
           <a:lstStyle/>
           <a:p>
-            <a:endParaRPr lang="en-US" baseline="0" dirty="0"/>
+            <a:r>
+              <a:rPr lang="en-US" baseline="0" dirty="0"/>
+              <a:t>Regouga</a:t>
+            </a:r>
           </a:p>
         </p:txBody>
       </p:sp>
@@ -1103,7 +1181,7 @@
             <a:fld id="{F535F173-C1DD-4975-94BF-5B9ED67F7674}" type="slidenum">
               <a:rPr lang="en-US" smtClean="0"/>
               <a:pPr/>
-              <a:t>9</a:t>
+              <a:t>8</a:t>
             </a:fld>
             <a:endParaRPr lang="en-US"/>
           </a:p>
@@ -1112,7 +1190,7 @@
     </p:spTree>
     <p:extLst>
       <p:ext uri="{BB962C8B-B14F-4D97-AF65-F5344CB8AC3E}">
-        <p14:creationId xmlns:p14="http://schemas.microsoft.com/office/powerpoint/2010/main" val="1355792998"/>
+        <p14:creationId xmlns:p14="http://schemas.microsoft.com/office/powerpoint/2010/main" val="1516240431"/>
       </p:ext>
     </p:extLst>
   </p:cSld>
@@ -1166,7 +1244,10 @@
           <a:bodyPr/>
           <a:lstStyle/>
           <a:p>
-            <a:endParaRPr lang="en-US" baseline="0" dirty="0"/>
+            <a:r>
+              <a:rPr lang="en-US" baseline="0" dirty="0"/>
+              <a:t>Pina</a:t>
+            </a:r>
           </a:p>
         </p:txBody>
       </p:sp>
@@ -1188,7 +1269,7 @@
             <a:fld id="{F535F173-C1DD-4975-94BF-5B9ED67F7674}" type="slidenum">
               <a:rPr lang="en-US" smtClean="0"/>
               <a:pPr/>
-              <a:t>11</a:t>
+              <a:t>10</a:t>
             </a:fld>
             <a:endParaRPr lang="en-US"/>
           </a:p>
@@ -1251,6 +1332,10 @@
           <a:bodyPr/>
           <a:lstStyle/>
           <a:p>
+            <a:r>
+              <a:rPr lang="en-US" baseline="0" dirty="0" err="1"/>
+              <a:t>Hélio</a:t>
+            </a:r>
             <a:endParaRPr lang="en-US" baseline="0" dirty="0"/>
           </a:p>
         </p:txBody>
@@ -1282,7 +1367,7 @@
     </p:spTree>
     <p:extLst>
       <p:ext uri="{BB962C8B-B14F-4D97-AF65-F5344CB8AC3E}">
-        <p14:creationId xmlns:p14="http://schemas.microsoft.com/office/powerpoint/2010/main" val="1551332493"/>
+        <p14:creationId xmlns:p14="http://schemas.microsoft.com/office/powerpoint/2010/main" val="1355792998"/>
       </p:ext>
     </p:extLst>
   </p:cSld>
@@ -1337,18 +1422,9 @@
           <a:lstStyle/>
           <a:p>
             <a:r>
-              <a:rPr lang="en-US" baseline="0" dirty="0" err="1"/>
-              <a:t>Position,Track</a:t>
-            </a:r>
-            <a:r>
               <a:rPr lang="en-US" baseline="0" dirty="0"/>
-              <a:t> </a:t>
-            </a:r>
-            <a:r>
-              <a:rPr lang="en-US" baseline="0" dirty="0" err="1"/>
-              <a:t>Name,Artist,Streams,URL,Date,Region</a:t>
-            </a:r>
-            <a:endParaRPr lang="en-US" baseline="0" dirty="0"/>
+              <a:t>Regouga</a:t>
+            </a:r>
           </a:p>
         </p:txBody>
       </p:sp>
@@ -1370,7 +1446,95 @@
             <a:fld id="{F535F173-C1DD-4975-94BF-5B9ED67F7674}" type="slidenum">
               <a:rPr lang="en-US" smtClean="0"/>
               <a:pPr/>
-              <a:t>14</a:t>
+              <a:t>13</a:t>
+            </a:fld>
+            <a:endParaRPr lang="en-US"/>
+          </a:p>
+        </p:txBody>
+      </p:sp>
+    </p:spTree>
+    <p:extLst>
+      <p:ext uri="{BB962C8B-B14F-4D97-AF65-F5344CB8AC3E}">
+        <p14:creationId xmlns:p14="http://schemas.microsoft.com/office/powerpoint/2010/main" val="1551332493"/>
+      </p:ext>
+    </p:extLst>
+  </p:cSld>
+  <p:clrMapOvr>
+    <a:masterClrMapping/>
+  </p:clrMapOvr>
+</p:notes>
+</file>
+
+<file path=ppt/notesSlides/notesSlide9.xml><?xml version="1.0" encoding="utf-8"?>
+<p:notes xmlns:a="http://schemas.openxmlformats.org/drawingml/2006/main" xmlns:r="http://schemas.openxmlformats.org/officeDocument/2006/relationships" xmlns:p="http://schemas.openxmlformats.org/presentationml/2006/main">
+  <p:cSld>
+    <p:spTree>
+      <p:nvGrpSpPr>
+        <p:cNvPr id="1" name=""/>
+        <p:cNvGrpSpPr/>
+        <p:nvPr/>
+      </p:nvGrpSpPr>
+      <p:grpSpPr>
+        <a:xfrm>
+          <a:off x="0" y="0"/>
+          <a:ext cx="0" cy="0"/>
+          <a:chOff x="0" y="0"/>
+          <a:chExt cx="0" cy="0"/>
+        </a:xfrm>
+      </p:grpSpPr>
+      <p:sp>
+        <p:nvSpPr>
+          <p:cNvPr id="2" name="Slide Image Placeholder 1"/>
+          <p:cNvSpPr>
+            <a:spLocks noGrp="1" noRot="1" noChangeAspect="1"/>
+          </p:cNvSpPr>
+          <p:nvPr>
+            <p:ph type="sldImg"/>
+          </p:nvPr>
+        </p:nvSpPr>
+        <p:spPr/>
+      </p:sp>
+      <p:sp>
+        <p:nvSpPr>
+          <p:cNvPr id="3" name="Notes Placeholder 2"/>
+          <p:cNvSpPr>
+            <a:spLocks noGrp="1"/>
+          </p:cNvSpPr>
+          <p:nvPr>
+            <p:ph type="body" idx="1"/>
+          </p:nvPr>
+        </p:nvSpPr>
+        <p:spPr/>
+        <p:txBody>
+          <a:bodyPr/>
+          <a:lstStyle/>
+          <a:p>
+            <a:r>
+              <a:rPr lang="en-US" baseline="0" dirty="0"/>
+              <a:t>Pina</a:t>
+            </a:r>
+          </a:p>
+        </p:txBody>
+      </p:sp>
+      <p:sp>
+        <p:nvSpPr>
+          <p:cNvPr id="4" name="Slide Number Placeholder 3"/>
+          <p:cNvSpPr>
+            <a:spLocks noGrp="1"/>
+          </p:cNvSpPr>
+          <p:nvPr>
+            <p:ph type="sldNum" sz="quarter" idx="10"/>
+          </p:nvPr>
+        </p:nvSpPr>
+        <p:spPr/>
+        <p:txBody>
+          <a:bodyPr/>
+          <a:lstStyle/>
+          <a:p>
+            <a:fld id="{F535F173-C1DD-4975-94BF-5B9ED67F7674}" type="slidenum">
+              <a:rPr lang="en-US" smtClean="0"/>
+              <a:pPr/>
+              <a:t>15</a:t>
             </a:fld>
             <a:endParaRPr lang="en-US"/>
           </a:p>
@@ -3905,12 +4069,12 @@
       </p:grpSpPr>
       <p:sp>
         <p:nvSpPr>
-          <p:cNvPr id="6" name="Text Placeholder 5"/>
-          <p:cNvSpPr>
-            <a:spLocks noGrp="1"/>
-          </p:cNvSpPr>
-          <p:nvPr>
-            <p:ph type="body" sz="quarter" idx="11"/>
+          <p:cNvPr id="2" name="Title 1"/>
+          <p:cNvSpPr>
+            <a:spLocks noGrp="1"/>
+          </p:cNvSpPr>
+          <p:nvPr>
+            <p:ph type="title"/>
           </p:nvPr>
         </p:nvSpPr>
         <p:spPr/>
@@ -3918,75 +4082,103 @@
           <a:bodyPr/>
           <a:lstStyle/>
           <a:p>
-            <a:endParaRPr lang="en-US" dirty="0"/>
-          </a:p>
-        </p:txBody>
-      </p:sp>
-      <p:sp>
-        <p:nvSpPr>
-          <p:cNvPr id="29" name="Text Placeholder 28"/>
-          <p:cNvSpPr>
-            <a:spLocks noGrp="1"/>
-          </p:cNvSpPr>
-          <p:nvPr>
-            <p:ph type="body" sz="quarter" idx="10"/>
-          </p:nvPr>
-        </p:nvSpPr>
-        <p:spPr/>
-        <p:txBody>
-          <a:bodyPr/>
-          <a:lstStyle/>
-          <a:p>
-            <a:r>
-              <a:rPr lang="pt-PT" sz="16600" dirty="0"/>
-              <a:t>04</a:t>
-            </a:r>
-          </a:p>
-        </p:txBody>
-      </p:sp>
-      <p:sp>
-        <p:nvSpPr>
-          <p:cNvPr id="4" name="Title 3"/>
-          <p:cNvSpPr>
-            <a:spLocks noGrp="1"/>
-          </p:cNvSpPr>
-          <p:nvPr>
-            <p:ph type="title"/>
+            <a:r>
+              <a:rPr lang="en-US" dirty="0"/>
+              <a:t>Tasks</a:t>
+            </a:r>
+            <a:endParaRPr lang="pt-PT" dirty="0"/>
+          </a:p>
+        </p:txBody>
+      </p:sp>
+      <p:sp>
+        <p:nvSpPr>
+          <p:cNvPr id="3" name="Content Placeholder 2"/>
+          <p:cNvSpPr>
+            <a:spLocks noGrp="1"/>
+          </p:cNvSpPr>
+          <p:nvPr>
+            <p:ph idx="1"/>
           </p:nvPr>
         </p:nvSpPr>
         <p:spPr>
           <a:xfrm>
-            <a:off x="2281222" y="3214686"/>
-            <a:ext cx="6786578" cy="3033714"/>
+            <a:off x="457200" y="1094346"/>
+            <a:ext cx="8435280" cy="5575014"/>
           </a:xfrm>
-          <a:solidFill>
-            <a:srgbClr val="FFFFFF">
-              <a:alpha val="80000"/>
-            </a:srgbClr>
-          </a:solidFill>
         </p:spPr>
         <p:txBody>
-          <a:bodyPr rIns="288000">
+          <a:bodyPr>
             <a:noAutofit/>
           </a:bodyPr>
           <a:lstStyle/>
           <a:p>
-            <a:pPr marL="0" algn="r"/>
-            <a:r>
-              <a:rPr lang="pt-PT" sz="6000" dirty="0" err="1"/>
-              <a:t>Example</a:t>
-            </a:r>
-            <a:r>
-              <a:rPr lang="pt-PT" sz="6000" dirty="0"/>
-              <a:t> QUESTIONS</a:t>
-            </a:r>
+            <a:r>
+              <a:rPr lang="en-US" dirty="0"/>
+              <a:t>Discover</a:t>
+            </a:r>
+            <a:endParaRPr lang="en-US" sz="2800" dirty="0"/>
+          </a:p>
+          <a:p>
+            <a:pPr marL="446088" lvl="1" indent="11113"/>
+            <a:r>
+              <a:rPr lang="en-US" dirty="0"/>
+              <a:t>Find music to listen based on the season of the year</a:t>
+            </a:r>
+          </a:p>
+          <a:p>
+            <a:r>
+              <a:rPr lang="en-US" dirty="0"/>
+              <a:t>Identify</a:t>
+            </a:r>
+            <a:endParaRPr lang="en-US" sz="2800" dirty="0"/>
+          </a:p>
+          <a:p>
+            <a:pPr marL="446088" lvl="1" indent="11113"/>
+            <a:r>
+              <a:rPr lang="en-US" dirty="0"/>
+              <a:t>Given a weather condition, identify which songs or artists are most likely to be streamed</a:t>
+            </a:r>
+            <a:endParaRPr lang="en-US" sz="2000" dirty="0"/>
+          </a:p>
+          <a:p>
+            <a:r>
+              <a:rPr lang="en-US" dirty="0"/>
+              <a:t>Compare</a:t>
+            </a:r>
+            <a:endParaRPr lang="en-US" sz="2800" dirty="0"/>
+          </a:p>
+          <a:p>
+            <a:pPr marL="446088" lvl="1" indent="11113"/>
+            <a:r>
+              <a:rPr lang="en-US" dirty="0"/>
+              <a:t>Select two songs/countries to see how each country’s weather conditions influences what people stream</a:t>
+            </a:r>
+            <a:endParaRPr lang="en-US" sz="2000" dirty="0"/>
+          </a:p>
+          <a:p>
+            <a:r>
+              <a:rPr lang="en-US" dirty="0"/>
+              <a:t>Analyze</a:t>
+            </a:r>
+            <a:endParaRPr lang="en-US" sz="2800" dirty="0"/>
+          </a:p>
+          <a:p>
+            <a:pPr marL="446088" lvl="1" indent="11113"/>
+            <a:r>
+              <a:rPr lang="en-US" dirty="0"/>
+              <a:t>Study how music habits change with the weather</a:t>
+            </a:r>
+          </a:p>
+          <a:p>
+            <a:pPr marL="446088" lvl="1" indent="11113"/>
+            <a:endParaRPr lang="en-US" sz="2000" dirty="0"/>
           </a:p>
         </p:txBody>
       </p:sp>
     </p:spTree>
     <p:extLst>
       <p:ext uri="{BB962C8B-B14F-4D97-AF65-F5344CB8AC3E}">
-        <p14:creationId xmlns:p14="http://schemas.microsoft.com/office/powerpoint/2010/main" val="4045494449"/>
+        <p14:creationId xmlns:p14="http://schemas.microsoft.com/office/powerpoint/2010/main" val="1967416131"/>
       </p:ext>
     </p:extLst>
   </p:cSld>
@@ -4015,109 +4207,88 @@
       </p:grpSpPr>
       <p:sp>
         <p:nvSpPr>
-          <p:cNvPr id="2" name="Title 1"/>
+          <p:cNvPr id="6" name="Text Placeholder 5"/>
+          <p:cNvSpPr>
+            <a:spLocks noGrp="1"/>
+          </p:cNvSpPr>
+          <p:nvPr>
+            <p:ph type="body" sz="quarter" idx="11"/>
+          </p:nvPr>
+        </p:nvSpPr>
+        <p:spPr/>
+        <p:txBody>
+          <a:bodyPr/>
+          <a:lstStyle/>
+          <a:p>
+            <a:endParaRPr lang="en-US" dirty="0"/>
+          </a:p>
+        </p:txBody>
+      </p:sp>
+      <p:sp>
+        <p:nvSpPr>
+          <p:cNvPr id="29" name="Text Placeholder 28"/>
+          <p:cNvSpPr>
+            <a:spLocks noGrp="1"/>
+          </p:cNvSpPr>
+          <p:nvPr>
+            <p:ph type="body" sz="quarter" idx="10"/>
+          </p:nvPr>
+        </p:nvSpPr>
+        <p:spPr/>
+        <p:txBody>
+          <a:bodyPr/>
+          <a:lstStyle/>
+          <a:p>
+            <a:r>
+              <a:rPr lang="pt-PT" sz="16600" dirty="0"/>
+              <a:t>04</a:t>
+            </a:r>
+          </a:p>
+        </p:txBody>
+      </p:sp>
+      <p:sp>
+        <p:nvSpPr>
+          <p:cNvPr id="4" name="Title 3"/>
           <p:cNvSpPr>
             <a:spLocks noGrp="1"/>
           </p:cNvSpPr>
           <p:nvPr>
             <p:ph type="title"/>
-          </p:nvPr>
-        </p:nvSpPr>
-        <p:spPr/>
-        <p:txBody>
-          <a:bodyPr/>
-          <a:lstStyle/>
-          <a:p>
-            <a:r>
-              <a:rPr lang="en-US" dirty="0"/>
-              <a:t>Questions</a:t>
-            </a:r>
-            <a:endParaRPr lang="pt-PT" dirty="0"/>
-          </a:p>
-        </p:txBody>
-      </p:sp>
-      <p:sp>
-        <p:nvSpPr>
-          <p:cNvPr id="3" name="Content Placeholder 2"/>
-          <p:cNvSpPr>
-            <a:spLocks noGrp="1"/>
-          </p:cNvSpPr>
-          <p:nvPr>
-            <p:ph idx="1"/>
           </p:nvPr>
         </p:nvSpPr>
         <p:spPr>
           <a:xfrm>
-            <a:off x="457200" y="1094346"/>
-            <a:ext cx="8229600" cy="5214974"/>
+            <a:off x="2281222" y="3214686"/>
+            <a:ext cx="6786578" cy="3033714"/>
           </a:xfrm>
+          <a:solidFill>
+            <a:srgbClr val="FFFFFF">
+              <a:alpha val="80000"/>
+            </a:srgbClr>
+          </a:solidFill>
         </p:spPr>
         <p:txBody>
-          <a:bodyPr>
+          <a:bodyPr rIns="288000">
             <a:noAutofit/>
           </a:bodyPr>
           <a:lstStyle/>
           <a:p>
-            <a:r>
-              <a:rPr lang="en-US" sz="4000" dirty="0"/>
-              <a:t>Question 1</a:t>
-            </a:r>
-          </a:p>
-          <a:p>
-            <a:r>
-              <a:rPr lang="en-US" sz="2400" dirty="0">
-                <a:solidFill>
-                  <a:schemeClr val="tx1"/>
-                </a:solidFill>
-              </a:rPr>
-              <a:t>What was the most streamed song in Portugal in May 2017?</a:t>
-            </a:r>
-          </a:p>
-          <a:p>
-            <a:r>
-              <a:rPr lang="en-US" sz="4000" dirty="0"/>
-              <a:t>Question 2</a:t>
-            </a:r>
-          </a:p>
-          <a:p>
-            <a:r>
-              <a:rPr lang="en-US" sz="2400" dirty="0">
-                <a:solidFill>
-                  <a:schemeClr val="tx1"/>
-                </a:solidFill>
-              </a:rPr>
-              <a:t>What was the most streamed artist in the world?</a:t>
-            </a:r>
-          </a:p>
-          <a:p>
-            <a:r>
-              <a:rPr lang="en-US" sz="4000" dirty="0"/>
-              <a:t>Question 3</a:t>
-            </a:r>
-          </a:p>
-          <a:p>
-            <a:r>
-              <a:rPr lang="en-US" sz="2400" dirty="0">
-                <a:solidFill>
-                  <a:schemeClr val="tx1"/>
-                </a:solidFill>
-              </a:rPr>
-              <a:t>Where was Demi Lovato most streamed?</a:t>
-            </a:r>
-            <a:endParaRPr lang="en-US" sz="2800" dirty="0"/>
-          </a:p>
-          <a:p>
-            <a:endParaRPr lang="en-US" sz="4000" dirty="0"/>
-          </a:p>
-          <a:p>
-            <a:endParaRPr lang="en-US" sz="4000" dirty="0"/>
+            <a:pPr marL="0" algn="r"/>
+            <a:r>
+              <a:rPr lang="pt-PT" sz="6000" dirty="0" err="1"/>
+              <a:t>Example</a:t>
+            </a:r>
+            <a:r>
+              <a:rPr lang="pt-PT" sz="6000" dirty="0"/>
+              <a:t> QUESTIONS</a:t>
+            </a:r>
           </a:p>
         </p:txBody>
       </p:sp>
     </p:spTree>
     <p:extLst>
       <p:ext uri="{BB962C8B-B14F-4D97-AF65-F5344CB8AC3E}">
-        <p14:creationId xmlns:p14="http://schemas.microsoft.com/office/powerpoint/2010/main" val="3456915046"/>
+        <p14:creationId xmlns:p14="http://schemas.microsoft.com/office/powerpoint/2010/main" val="4045494449"/>
       </p:ext>
     </p:extLst>
   </p:cSld>
@@ -4180,7 +4351,7 @@
         <p:spPr>
           <a:xfrm>
             <a:off x="457200" y="1094346"/>
-            <a:ext cx="8229600" cy="5214974"/>
+            <a:ext cx="8686800" cy="5214974"/>
           </a:xfrm>
         </p:spPr>
         <p:txBody>
@@ -4191,57 +4362,39 @@
           <a:p>
             <a:r>
               <a:rPr lang="en-US" sz="4000" dirty="0"/>
-              <a:t>Question 4</a:t>
-            </a:r>
-          </a:p>
-          <a:p>
-            <a:pPr marL="11113" indent="-11113"/>
+              <a:t>Question 1</a:t>
+            </a:r>
+          </a:p>
+          <a:p>
             <a:r>
               <a:rPr lang="en-US" sz="2400" dirty="0">
                 <a:solidFill>
                   <a:schemeClr val="tx1"/>
                 </a:solidFill>
               </a:rPr>
-              <a:t>Between Portugal and Brazil, where was “</a:t>
-            </a:r>
-            <a:r>
-              <a:rPr lang="en-US" sz="2400" i="1" dirty="0" err="1">
-                <a:solidFill>
-                  <a:schemeClr val="tx1"/>
-                </a:solidFill>
-              </a:rPr>
-              <a:t>Faz</a:t>
-            </a:r>
-            <a:r>
-              <a:rPr lang="en-US" sz="2400" i="1" dirty="0">
-                <a:solidFill>
-                  <a:schemeClr val="tx1"/>
-                </a:solidFill>
-              </a:rPr>
-              <a:t> </a:t>
-            </a:r>
-            <a:r>
-              <a:rPr lang="en-US" sz="2400" i="1" dirty="0" err="1">
-                <a:solidFill>
-                  <a:schemeClr val="tx1"/>
-                </a:solidFill>
-              </a:rPr>
-              <a:t>Gostoso</a:t>
-            </a:r>
+              <a:t>On a sunny day, which song is the most listened worldwide?</a:t>
+            </a:r>
+          </a:p>
+          <a:p>
+            <a:r>
+              <a:rPr lang="en-US" sz="4000" dirty="0"/>
+              <a:t>Question 2</a:t>
+            </a:r>
+          </a:p>
+          <a:p>
             <a:r>
               <a:rPr lang="en-US" sz="2400" dirty="0">
                 <a:solidFill>
                   <a:schemeClr val="tx1"/>
                 </a:solidFill>
               </a:rPr>
-              <a:t>” most listened?</a:t>
-            </a:r>
-            <a:endParaRPr lang="en-US" sz="2800" dirty="0"/>
+              <a:t>If it’s raining, what genre do people listen the most in Ecuador?</a:t>
+            </a:r>
           </a:p>
           <a:p>
             <a:r>
               <a:rPr lang="en-US" sz="4000" dirty="0"/>
-              <a:t>Question 5</a:t>
+              <a:t>Question 3</a:t>
             </a:r>
           </a:p>
           <a:p>
@@ -4251,7 +4404,7 @@
                   <a:schemeClr val="tx1"/>
                 </a:solidFill>
               </a:rPr>
-              <a:t>How many times was “</a:t>
+              <a:t>In what weather conditions is ”</a:t>
             </a:r>
             <a:r>
               <a:rPr lang="en-US" sz="2400" i="1" dirty="0" err="1">
@@ -4267,23 +4420,7 @@
                   <a:schemeClr val="tx1"/>
                 </a:solidFill>
               </a:rPr>
-              <a:t>” listened in 26</a:t>
-            </a:r>
-            <a:r>
-              <a:rPr lang="en-US" sz="2400" baseline="30000" dirty="0">
-                <a:solidFill>
-                  <a:schemeClr val="tx1"/>
-                </a:solidFill>
-              </a:rPr>
-              <a:t>th</a:t>
-            </a:r>
-            <a:r>
-              <a:rPr lang="en-US" sz="2400" dirty="0">
-                <a:solidFill>
-                  <a:schemeClr val="tx1"/>
-                </a:solidFill>
-              </a:rPr>
-              <a:t> August 2017?</a:t>
+              <a:t>" most likely to be heard?</a:t>
             </a:r>
             <a:endParaRPr lang="en-US" sz="4000" dirty="0"/>
           </a:p>
@@ -4295,7 +4432,7 @@
     </p:spTree>
     <p:extLst>
       <p:ext uri="{BB962C8B-B14F-4D97-AF65-F5344CB8AC3E}">
-        <p14:creationId xmlns:p14="http://schemas.microsoft.com/office/powerpoint/2010/main" val="220009773"/>
+        <p14:creationId xmlns:p14="http://schemas.microsoft.com/office/powerpoint/2010/main" val="3456915046"/>
       </p:ext>
     </p:extLst>
   </p:cSld>
@@ -4324,12 +4461,12 @@
       </p:grpSpPr>
       <p:sp>
         <p:nvSpPr>
-          <p:cNvPr id="6" name="Text Placeholder 5"/>
-          <p:cNvSpPr>
-            <a:spLocks noGrp="1"/>
-          </p:cNvSpPr>
-          <p:nvPr>
-            <p:ph type="body" sz="quarter" idx="11"/>
+          <p:cNvPr id="2" name="Title 1"/>
+          <p:cNvSpPr>
+            <a:spLocks noGrp="1"/>
+          </p:cNvSpPr>
+          <p:nvPr>
+            <p:ph type="title"/>
           </p:nvPr>
         </p:nvSpPr>
         <p:spPr/>
@@ -4337,71 +4474,111 @@
           <a:bodyPr/>
           <a:lstStyle/>
           <a:p>
-            <a:endParaRPr lang="en-US" dirty="0"/>
-          </a:p>
-        </p:txBody>
-      </p:sp>
-      <p:sp>
-        <p:nvSpPr>
-          <p:cNvPr id="29" name="Text Placeholder 28"/>
-          <p:cNvSpPr>
-            <a:spLocks noGrp="1"/>
-          </p:cNvSpPr>
-          <p:nvPr>
-            <p:ph type="body" sz="quarter" idx="10"/>
-          </p:nvPr>
-        </p:nvSpPr>
-        <p:spPr/>
-        <p:txBody>
-          <a:bodyPr/>
-          <a:lstStyle/>
-          <a:p>
-            <a:r>
-              <a:rPr lang="pt-PT" sz="16600" dirty="0"/>
-              <a:t>05</a:t>
-            </a:r>
-          </a:p>
-        </p:txBody>
-      </p:sp>
-      <p:sp>
-        <p:nvSpPr>
-          <p:cNvPr id="4" name="Title 3"/>
-          <p:cNvSpPr>
-            <a:spLocks noGrp="1"/>
-          </p:cNvSpPr>
-          <p:nvPr>
-            <p:ph type="title"/>
+            <a:r>
+              <a:rPr lang="en-US" dirty="0"/>
+              <a:t>Questions</a:t>
+            </a:r>
+            <a:endParaRPr lang="pt-PT" dirty="0"/>
+          </a:p>
+        </p:txBody>
+      </p:sp>
+      <p:sp>
+        <p:nvSpPr>
+          <p:cNvPr id="3" name="Content Placeholder 2"/>
+          <p:cNvSpPr>
+            <a:spLocks noGrp="1"/>
+          </p:cNvSpPr>
+          <p:nvPr>
+            <p:ph idx="1"/>
           </p:nvPr>
         </p:nvSpPr>
         <p:spPr>
           <a:xfrm>
-            <a:off x="2281222" y="3214686"/>
-            <a:ext cx="6786578" cy="3033714"/>
+            <a:off x="457200" y="1094346"/>
+            <a:ext cx="8229600" cy="5214974"/>
           </a:xfrm>
-          <a:solidFill>
-            <a:srgbClr val="FFFFFF">
-              <a:alpha val="80000"/>
-            </a:srgbClr>
-          </a:solidFill>
         </p:spPr>
         <p:txBody>
-          <a:bodyPr rIns="288000">
+          <a:bodyPr>
             <a:noAutofit/>
           </a:bodyPr>
           <a:lstStyle/>
           <a:p>
-            <a:pPr marL="0" algn="r"/>
-            <a:r>
-              <a:rPr lang="pt-PT" sz="6000" dirty="0"/>
-              <a:t>Data Sample</a:t>
-            </a:r>
+            <a:r>
+              <a:rPr lang="en-US" sz="4000" dirty="0"/>
+              <a:t>Question 4</a:t>
+            </a:r>
+          </a:p>
+          <a:p>
+            <a:pPr marL="11113" indent="-11113"/>
+            <a:r>
+              <a:rPr lang="en-US" sz="2400" dirty="0">
+                <a:solidFill>
+                  <a:schemeClr val="tx1"/>
+                </a:solidFill>
+              </a:rPr>
+              <a:t>Between Portugal (winter) and Australia (summer), where was “</a:t>
+            </a:r>
+            <a:r>
+              <a:rPr lang="en-US" sz="2400" i="1" dirty="0">
+                <a:solidFill>
+                  <a:schemeClr val="tx1"/>
+                </a:solidFill>
+              </a:rPr>
+              <a:t>All I Want For Christmas Is You</a:t>
+            </a:r>
+            <a:r>
+              <a:rPr lang="en-US" sz="2400" dirty="0">
+                <a:solidFill>
+                  <a:schemeClr val="tx1"/>
+                </a:solidFill>
+              </a:rPr>
+              <a:t>” most streamed during Christmas?</a:t>
+            </a:r>
+            <a:endParaRPr lang="en-US" sz="2800" dirty="0"/>
+          </a:p>
+          <a:p>
+            <a:r>
+              <a:rPr lang="en-US" sz="4000" dirty="0"/>
+              <a:t>Question 5</a:t>
+            </a:r>
+          </a:p>
+          <a:p>
+            <a:r>
+              <a:rPr lang="en-US" sz="2400" dirty="0">
+                <a:solidFill>
+                  <a:schemeClr val="tx1"/>
+                </a:solidFill>
+              </a:rPr>
+              <a:t>How likely is “</a:t>
+            </a:r>
+            <a:r>
+              <a:rPr lang="en-US" sz="2400" i="1" dirty="0">
+                <a:solidFill>
+                  <a:schemeClr val="tx1"/>
+                </a:solidFill>
+              </a:rPr>
+              <a:t>Let It Snow</a:t>
+            </a:r>
+            <a:r>
+              <a:rPr lang="en-US" sz="2400" dirty="0">
+                <a:solidFill>
+                  <a:schemeClr val="tx1"/>
+                </a:solidFill>
+              </a:rPr>
+              <a:t>” to be streamed during snow days?</a:t>
+            </a:r>
+            <a:endParaRPr lang="en-US" sz="4000" dirty="0"/>
+          </a:p>
+          <a:p>
+            <a:endParaRPr lang="en-US" sz="4000" dirty="0"/>
           </a:p>
         </p:txBody>
       </p:sp>
     </p:spTree>
     <p:extLst>
       <p:ext uri="{BB962C8B-B14F-4D97-AF65-F5344CB8AC3E}">
-        <p14:creationId xmlns:p14="http://schemas.microsoft.com/office/powerpoint/2010/main" val="2312607420"/>
+        <p14:creationId xmlns:p14="http://schemas.microsoft.com/office/powerpoint/2010/main" val="220009773"/>
       </p:ext>
     </p:extLst>
   </p:cSld>
@@ -4430,6 +4607,112 @@
       </p:grpSpPr>
       <p:sp>
         <p:nvSpPr>
+          <p:cNvPr id="6" name="Text Placeholder 5"/>
+          <p:cNvSpPr>
+            <a:spLocks noGrp="1"/>
+          </p:cNvSpPr>
+          <p:nvPr>
+            <p:ph type="body" sz="quarter" idx="11"/>
+          </p:nvPr>
+        </p:nvSpPr>
+        <p:spPr/>
+        <p:txBody>
+          <a:bodyPr/>
+          <a:lstStyle/>
+          <a:p>
+            <a:endParaRPr lang="en-US" dirty="0"/>
+          </a:p>
+        </p:txBody>
+      </p:sp>
+      <p:sp>
+        <p:nvSpPr>
+          <p:cNvPr id="29" name="Text Placeholder 28"/>
+          <p:cNvSpPr>
+            <a:spLocks noGrp="1"/>
+          </p:cNvSpPr>
+          <p:nvPr>
+            <p:ph type="body" sz="quarter" idx="10"/>
+          </p:nvPr>
+        </p:nvSpPr>
+        <p:spPr/>
+        <p:txBody>
+          <a:bodyPr/>
+          <a:lstStyle/>
+          <a:p>
+            <a:r>
+              <a:rPr lang="pt-PT" sz="16600" dirty="0"/>
+              <a:t>05</a:t>
+            </a:r>
+          </a:p>
+        </p:txBody>
+      </p:sp>
+      <p:sp>
+        <p:nvSpPr>
+          <p:cNvPr id="4" name="Title 3"/>
+          <p:cNvSpPr>
+            <a:spLocks noGrp="1"/>
+          </p:cNvSpPr>
+          <p:nvPr>
+            <p:ph type="title"/>
+          </p:nvPr>
+        </p:nvSpPr>
+        <p:spPr>
+          <a:xfrm>
+            <a:off x="2281222" y="3214686"/>
+            <a:ext cx="6786578" cy="3033714"/>
+          </a:xfrm>
+          <a:solidFill>
+            <a:srgbClr val="FFFFFF">
+              <a:alpha val="80000"/>
+            </a:srgbClr>
+          </a:solidFill>
+        </p:spPr>
+        <p:txBody>
+          <a:bodyPr rIns="288000">
+            <a:noAutofit/>
+          </a:bodyPr>
+          <a:lstStyle/>
+          <a:p>
+            <a:pPr marL="0" algn="r"/>
+            <a:r>
+              <a:rPr lang="pt-PT" sz="6000" dirty="0"/>
+              <a:t>Data Sample</a:t>
+            </a:r>
+          </a:p>
+        </p:txBody>
+      </p:sp>
+    </p:spTree>
+    <p:extLst>
+      <p:ext uri="{BB962C8B-B14F-4D97-AF65-F5344CB8AC3E}">
+        <p14:creationId xmlns:p14="http://schemas.microsoft.com/office/powerpoint/2010/main" val="2312607420"/>
+      </p:ext>
+    </p:extLst>
+  </p:cSld>
+  <p:clrMapOvr>
+    <a:masterClrMapping/>
+  </p:clrMapOvr>
+</p:sld>
+</file>
+
+<file path=ppt/slides/slide15.xml><?xml version="1.0" encoding="utf-8"?>
+<p:sld xmlns:a="http://schemas.openxmlformats.org/drawingml/2006/main" xmlns:r="http://schemas.openxmlformats.org/officeDocument/2006/relationships" xmlns:p="http://schemas.openxmlformats.org/presentationml/2006/main">
+  <p:cSld>
+    <p:spTree>
+      <p:nvGrpSpPr>
+        <p:cNvPr id="1" name=""/>
+        <p:cNvGrpSpPr/>
+        <p:nvPr/>
+      </p:nvGrpSpPr>
+      <p:grpSpPr>
+        <a:xfrm>
+          <a:off x="0" y="0"/>
+          <a:ext cx="0" cy="0"/>
+          <a:chOff x="0" y="0"/>
+          <a:chExt cx="0" cy="0"/>
+        </a:xfrm>
+      </p:grpSpPr>
+      <p:sp>
+        <p:nvSpPr>
           <p:cNvPr id="2" name="Title 1"/>
           <p:cNvSpPr>
             <a:spLocks noGrp="1"/>
@@ -4681,6 +4964,188 @@
     <p:extLst>
       <p:ext uri="{BB962C8B-B14F-4D97-AF65-F5344CB8AC3E}">
         <p14:creationId xmlns:p14="http://schemas.microsoft.com/office/powerpoint/2010/main" val="2292396113"/>
+      </p:ext>
+    </p:extLst>
+  </p:cSld>
+  <p:clrMapOvr>
+    <a:masterClrMapping/>
+  </p:clrMapOvr>
+</p:sld>
+</file>
+
+<file path=ppt/slides/slide16.xml><?xml version="1.0" encoding="utf-8"?>
+<p:sld xmlns:a="http://schemas.openxmlformats.org/drawingml/2006/main" xmlns:r="http://schemas.openxmlformats.org/officeDocument/2006/relationships" xmlns:p="http://schemas.openxmlformats.org/presentationml/2006/main">
+  <p:cSld>
+    <p:spTree>
+      <p:nvGrpSpPr>
+        <p:cNvPr id="1" name=""/>
+        <p:cNvGrpSpPr/>
+        <p:nvPr/>
+      </p:nvGrpSpPr>
+      <p:grpSpPr>
+        <a:xfrm>
+          <a:off x="0" y="0"/>
+          <a:ext cx="0" cy="0"/>
+          <a:chOff x="0" y="0"/>
+          <a:chExt cx="0" cy="0"/>
+        </a:xfrm>
+      </p:grpSpPr>
+      <p:sp>
+        <p:nvSpPr>
+          <p:cNvPr id="2" name="Title 1"/>
+          <p:cNvSpPr>
+            <a:spLocks noGrp="1"/>
+          </p:cNvSpPr>
+          <p:nvPr>
+            <p:ph type="title"/>
+          </p:nvPr>
+        </p:nvSpPr>
+        <p:spPr/>
+        <p:txBody>
+          <a:bodyPr/>
+          <a:lstStyle/>
+          <a:p>
+            <a:r>
+              <a:rPr lang="en-US" dirty="0"/>
+              <a:t>Data Sample</a:t>
+            </a:r>
+            <a:endParaRPr lang="pt-PT" dirty="0"/>
+          </a:p>
+        </p:txBody>
+      </p:sp>
+      <p:sp>
+        <p:nvSpPr>
+          <p:cNvPr id="3" name="Content Placeholder 2"/>
+          <p:cNvSpPr>
+            <a:spLocks noGrp="1"/>
+          </p:cNvSpPr>
+          <p:nvPr>
+            <p:ph idx="1"/>
+          </p:nvPr>
+        </p:nvSpPr>
+        <p:spPr>
+          <a:xfrm>
+            <a:off x="457200" y="1094346"/>
+            <a:ext cx="8229600" cy="5214974"/>
+          </a:xfrm>
+        </p:spPr>
+        <p:txBody>
+          <a:bodyPr>
+            <a:noAutofit/>
+          </a:bodyPr>
+          <a:lstStyle/>
+          <a:p>
+            <a:pPr>
+              <a:spcBef>
+                <a:spcPts val="0"/>
+              </a:spcBef>
+            </a:pPr>
+            <a:r>
+              <a:rPr lang="en-US" sz="2800" dirty="0">
+                <a:solidFill>
+                  <a:schemeClr val="tx1"/>
+                </a:solidFill>
+                <a:latin typeface="Courier New" panose="02070309020205020404" pitchFamily="49" charset="0"/>
+                <a:cs typeface="Courier New" panose="02070309020205020404" pitchFamily="49" charset="0"/>
+              </a:rPr>
+              <a:t>(from “</a:t>
+            </a:r>
+            <a:r>
+              <a:rPr lang="en-US" sz="2800" dirty="0" err="1">
+                <a:solidFill>
+                  <a:schemeClr val="tx1"/>
+                </a:solidFill>
+                <a:latin typeface="Courier New" panose="02070309020205020404" pitchFamily="49" charset="0"/>
+                <a:cs typeface="Courier New" panose="02070309020205020404" pitchFamily="49" charset="0"/>
+              </a:rPr>
+              <a:t>weather.csv</a:t>
+            </a:r>
+            <a:r>
+              <a:rPr lang="en-US" sz="2800" dirty="0">
+                <a:solidFill>
+                  <a:schemeClr val="tx1"/>
+                </a:solidFill>
+                <a:latin typeface="Courier New" panose="02070309020205020404" pitchFamily="49" charset="0"/>
+                <a:cs typeface="Courier New" panose="02070309020205020404" pitchFamily="49" charset="0"/>
+              </a:rPr>
+              <a:t>”)</a:t>
+            </a:r>
+            <a:endParaRPr lang="pt-PT" sz="2800" dirty="0">
+              <a:solidFill>
+                <a:schemeClr val="tx1"/>
+              </a:solidFill>
+              <a:latin typeface="Courier New" panose="02070309020205020404" pitchFamily="49" charset="0"/>
+              <a:cs typeface="Courier New" panose="02070309020205020404" pitchFamily="49" charset="0"/>
+            </a:endParaRPr>
+          </a:p>
+          <a:p>
+            <a:pPr>
+              <a:spcBef>
+                <a:spcPts val="0"/>
+              </a:spcBef>
+            </a:pPr>
+            <a:endParaRPr lang="en-US" sz="2800" dirty="0">
+              <a:solidFill>
+                <a:schemeClr val="tx1"/>
+              </a:solidFill>
+              <a:latin typeface="Courier New" panose="02070309020205020404" pitchFamily="49" charset="0"/>
+              <a:cs typeface="Courier New" panose="02070309020205020404" pitchFamily="49" charset="0"/>
+            </a:endParaRPr>
+          </a:p>
+          <a:p>
+            <a:pPr marL="11113" indent="-11113">
+              <a:spcBef>
+                <a:spcPts val="0"/>
+              </a:spcBef>
+            </a:pPr>
+            <a:r>
+              <a:rPr lang="en-US" sz="2800" dirty="0">
+                <a:solidFill>
+                  <a:schemeClr val="tx1"/>
+                </a:solidFill>
+                <a:latin typeface="Courier New" panose="02070309020205020404" pitchFamily="49" charset="0"/>
+                <a:cs typeface="Courier New" panose="02070309020205020404" pitchFamily="49" charset="0"/>
+              </a:rPr>
+              <a:t>station; date; temperature; visibility; windspeed; precipitation; indicators</a:t>
+            </a:r>
+          </a:p>
+          <a:p>
+            <a:pPr marL="11113" indent="-11113">
+              <a:spcBef>
+                <a:spcPts val="0"/>
+              </a:spcBef>
+            </a:pPr>
+            <a:endParaRPr lang="pt-PT" sz="2800" dirty="0">
+              <a:solidFill>
+                <a:schemeClr val="tx1"/>
+              </a:solidFill>
+              <a:latin typeface="Courier New" panose="02070309020205020404" pitchFamily="49" charset="0"/>
+              <a:cs typeface="Courier New" panose="02070309020205020404" pitchFamily="49" charset="0"/>
+            </a:endParaRPr>
+          </a:p>
+          <a:p>
+            <a:pPr marL="11113" indent="-11113">
+              <a:spcBef>
+                <a:spcPts val="0"/>
+              </a:spcBef>
+            </a:pPr>
+            <a:r>
+              <a:rPr lang="pt-PT" sz="2800" dirty="0">
+                <a:solidFill>
+                  <a:schemeClr val="tx1"/>
+                </a:solidFill>
+                <a:latin typeface="Courier New" panose="02070309020205020404" pitchFamily="49" charset="0"/>
+                <a:cs typeface="Courier New" panose="02070309020205020404" pitchFamily="49" charset="0"/>
+              </a:rPr>
+              <a:t>723150, 20170101, 23.6, 6.0, 3.2, 0.00, 100000</a:t>
+            </a:r>
+          </a:p>
+        </p:txBody>
+      </p:sp>
+    </p:spTree>
+    <p:extLst>
+      <p:ext uri="{BB962C8B-B14F-4D97-AF65-F5344CB8AC3E}">
+        <p14:creationId xmlns:p14="http://schemas.microsoft.com/office/powerpoint/2010/main" val="3675343504"/>
       </p:ext>
     </p:extLst>
   </p:cSld>
@@ -4792,7 +5257,7 @@
 </file>
 
 <file path=ppt/slides/slide3.xml><?xml version="1.0" encoding="utf-8"?>
-<p:sld xmlns:a="http://schemas.openxmlformats.org/drawingml/2006/main" xmlns:r="http://schemas.openxmlformats.org/officeDocument/2006/relationships" xmlns:p="http://schemas.openxmlformats.org/presentationml/2006/main" show="0">
+<p:sld xmlns:a="http://schemas.openxmlformats.org/drawingml/2006/main" xmlns:r="http://schemas.openxmlformats.org/officeDocument/2006/relationships" xmlns:p="http://schemas.openxmlformats.org/presentationml/2006/main">
   <p:cSld>
     <p:spTree>
       <p:nvGrpSpPr>
@@ -4864,7 +5329,7 @@
             <a:pPr marL="457200" lvl="1" indent="0"/>
             <a:r>
               <a:rPr lang="en-US" b="1" dirty="0"/>
-              <a:t>“Spotify's Worldwide Daily Song Ranking in 2017”</a:t>
+              <a:t>“How weather influences what music we stream”</a:t>
             </a:r>
           </a:p>
           <a:p>
@@ -4874,7 +5339,7 @@
             </a:pPr>
             <a:r>
               <a:rPr lang="en-US" dirty="0"/>
-              <a:t>The top streamed songs in Spotify</a:t>
+              <a:t>🏆 Position on Spotify charts</a:t>
             </a:r>
           </a:p>
           <a:p>
@@ -4884,7 +5349,7 @@
             </a:pPr>
             <a:r>
               <a:rPr lang="en-US" dirty="0"/>
-              <a:t>Grouped by country (the 53 countries where Spotify is available)</a:t>
+              <a:t>🎵 Title of song</a:t>
             </a:r>
           </a:p>
           <a:p>
@@ -4894,7 +5359,7 @@
             </a:pPr>
             <a:r>
               <a:rPr lang="en-US" dirty="0"/>
-              <a:t>Grouped by day</a:t>
+              <a:t>🎤 Artist name of musician or group</a:t>
             </a:r>
           </a:p>
           <a:p>
@@ -4904,7 +5369,7 @@
             </a:pPr>
             <a:r>
               <a:rPr lang="en-US" dirty="0"/>
-              <a:t>365 days</a:t>
+              <a:t>＃ Number of streams on Spotify</a:t>
             </a:r>
           </a:p>
           <a:p>
@@ -4912,14 +5377,27 @@
               <a:buFont typeface="Arial" panose="020B0604020202020204" pitchFamily="34" charset="0"/>
               <a:buChar char="•"/>
             </a:pPr>
-            <a:endParaRPr lang="en-US" dirty="0"/>
+            <a:r>
+              <a:rPr lang="en-US" dirty="0"/>
+              <a:t>📆 Date</a:t>
+            </a:r>
+          </a:p>
+          <a:p>
+            <a:pPr lvl="1">
+              <a:buFont typeface="Arial" panose="020B0604020202020204" pitchFamily="34" charset="0"/>
+              <a:buChar char="•"/>
+            </a:pPr>
+            <a:r>
+              <a:rPr lang="en-US" dirty="0"/>
+              <a:t>🇵🇹 Country</a:t>
+            </a:r>
           </a:p>
         </p:txBody>
       </p:sp>
     </p:spTree>
     <p:extLst>
       <p:ext uri="{BB962C8B-B14F-4D97-AF65-F5344CB8AC3E}">
-        <p14:creationId xmlns:p14="http://schemas.microsoft.com/office/powerpoint/2010/main" val="1368796128"/>
+        <p14:creationId xmlns:p14="http://schemas.microsoft.com/office/powerpoint/2010/main" val="4240120593"/>
       </p:ext>
     </p:extLst>
   </p:cSld>
@@ -4979,7 +5457,12 @@
             <p:ph idx="1"/>
           </p:nvPr>
         </p:nvSpPr>
-        <p:spPr/>
+        <p:spPr>
+          <a:xfrm>
+            <a:off x="457200" y="1285860"/>
+            <a:ext cx="8229600" cy="5214974"/>
+          </a:xfrm>
+        </p:spPr>
         <p:txBody>
           <a:bodyPr>
             <a:noAutofit/>
@@ -5002,7 +5485,7 @@
             <a:pPr marL="457200" lvl="1" indent="0"/>
             <a:r>
               <a:rPr lang="en-US" b="1" dirty="0"/>
-              <a:t>“Spotify's Worldwide Daily Song Ranking in 2017”</a:t>
+              <a:t>“How weather influences what music we listen”</a:t>
             </a:r>
           </a:p>
           <a:p>
@@ -5012,7 +5495,7 @@
             </a:pPr>
             <a:r>
               <a:rPr lang="en-US" dirty="0"/>
-              <a:t>🏆 Position on charts</a:t>
+              <a:t>☀️ Mean Temperature</a:t>
             </a:r>
           </a:p>
           <a:p>
@@ -5022,7 +5505,7 @@
             </a:pPr>
             <a:r>
               <a:rPr lang="en-US" dirty="0"/>
-              <a:t>🎵 Title of song</a:t>
+              <a:t>💨 Wind Speed</a:t>
             </a:r>
           </a:p>
           <a:p>
@@ -5032,7 +5515,7 @@
             </a:pPr>
             <a:r>
               <a:rPr lang="en-US" dirty="0"/>
-              <a:t>🎤 Artist name of musician or group</a:t>
+              <a:t>🌫 Fog</a:t>
             </a:r>
           </a:p>
           <a:p>
@@ -5042,7 +5525,7 @@
             </a:pPr>
             <a:r>
               <a:rPr lang="en-US" dirty="0"/>
-              <a:t>＃ Number of streams</a:t>
+              <a:t>🌧 Precipitation</a:t>
             </a:r>
           </a:p>
           <a:p>
@@ -5052,7 +5535,7 @@
             </a:pPr>
             <a:r>
               <a:rPr lang="en-US" dirty="0"/>
-              <a:t>📆 Date</a:t>
+              <a:t>❄️ Snow</a:t>
             </a:r>
           </a:p>
           <a:p>
@@ -5062,7 +5545,206 @@
             </a:pPr>
             <a:r>
               <a:rPr lang="en-US" dirty="0"/>
-              <a:t>🇵🇹 Country</a:t>
+              <a:t>🌅 Visibility</a:t>
+            </a:r>
+          </a:p>
+        </p:txBody>
+      </p:sp>
+      <p:sp>
+        <p:nvSpPr>
+          <p:cNvPr id="4" name="Content Placeholder 2">
+            <a:extLst>
+              <a:ext uri="{FF2B5EF4-FFF2-40B4-BE49-F238E27FC236}">
+                <a16:creationId xmlns:a16="http://schemas.microsoft.com/office/drawing/2014/main" id="{2DE29637-FAA4-704F-9076-CD64131DF8D9}"/>
+              </a:ext>
+            </a:extLst>
+          </p:cNvPr>
+          <p:cNvSpPr txBox="1">
+            <a:spLocks/>
+          </p:cNvSpPr>
+          <p:nvPr/>
+        </p:nvSpPr>
+        <p:spPr>
+          <a:xfrm>
+            <a:off x="4283968" y="2564904"/>
+            <a:ext cx="8229600" cy="3934434"/>
+          </a:xfrm>
+          <a:prstGeom prst="rect">
+            <a:avLst/>
+          </a:prstGeom>
+        </p:spPr>
+        <p:txBody>
+          <a:bodyPr vert="horz" lIns="91440" tIns="45720" rIns="91440" bIns="45720" rtlCol="0">
+            <a:noAutofit/>
+          </a:bodyPr>
+          <a:lstStyle>
+            <a:lvl1pPr marL="342900" indent="-342900" algn="l" defTabSz="914400" rtl="0" eaLnBrk="1" latinLnBrk="0" hangingPunct="1">
+              <a:spcBef>
+                <a:spcPts val="1800"/>
+              </a:spcBef>
+              <a:buFont typeface="Arial" pitchFamily="34" charset="0"/>
+              <a:buNone/>
+              <a:defRPr sz="3200" b="1" kern="1200">
+                <a:solidFill>
+                  <a:srgbClr val="336699"/>
+                </a:solidFill>
+                <a:latin typeface="+mn-lt"/>
+                <a:ea typeface="+mn-ea"/>
+                <a:cs typeface="+mn-cs"/>
+              </a:defRPr>
+            </a:lvl1pPr>
+            <a:lvl2pPr marL="742950" indent="-285750" algn="l" defTabSz="914400" rtl="0" eaLnBrk="1" latinLnBrk="0" hangingPunct="1">
+              <a:spcBef>
+                <a:spcPts val="600"/>
+              </a:spcBef>
+              <a:buFont typeface="Arial" pitchFamily="34" charset="0"/>
+              <a:buNone/>
+              <a:defRPr sz="2800" kern="1200">
+                <a:solidFill>
+                  <a:schemeClr val="tx1"/>
+                </a:solidFill>
+                <a:latin typeface="+mn-lt"/>
+                <a:ea typeface="+mn-ea"/>
+                <a:cs typeface="+mn-cs"/>
+              </a:defRPr>
+            </a:lvl2pPr>
+            <a:lvl3pPr marL="1143000" indent="-228600" algn="l" defTabSz="914400" rtl="0" eaLnBrk="1" latinLnBrk="0" hangingPunct="1">
+              <a:spcBef>
+                <a:spcPts val="0"/>
+              </a:spcBef>
+              <a:buFont typeface="Arial" pitchFamily="34" charset="0"/>
+              <a:buNone/>
+              <a:defRPr sz="2400" kern="1200">
+                <a:solidFill>
+                  <a:schemeClr val="tx1"/>
+                </a:solidFill>
+                <a:latin typeface="+mn-lt"/>
+                <a:ea typeface="+mn-ea"/>
+                <a:cs typeface="+mn-cs"/>
+              </a:defRPr>
+            </a:lvl3pPr>
+            <a:lvl4pPr marL="1600200" indent="-228600" algn="l" defTabSz="914400" rtl="0" eaLnBrk="1" latinLnBrk="0" hangingPunct="1">
+              <a:spcBef>
+                <a:spcPts val="0"/>
+              </a:spcBef>
+              <a:buFont typeface="Arial" pitchFamily="34" charset="0"/>
+              <a:buNone/>
+              <a:defRPr sz="2000" kern="1200">
+                <a:solidFill>
+                  <a:schemeClr val="tx1"/>
+                </a:solidFill>
+                <a:latin typeface="+mn-lt"/>
+                <a:ea typeface="+mn-ea"/>
+                <a:cs typeface="+mn-cs"/>
+              </a:defRPr>
+            </a:lvl4pPr>
+            <a:lvl5pPr marL="2057400" indent="-228600" algn="l" defTabSz="914400" rtl="0" eaLnBrk="1" latinLnBrk="0" hangingPunct="1">
+              <a:spcBef>
+                <a:spcPts val="0"/>
+              </a:spcBef>
+              <a:buFont typeface="Arial" pitchFamily="34" charset="0"/>
+              <a:buNone/>
+              <a:defRPr sz="2000" kern="1200">
+                <a:solidFill>
+                  <a:schemeClr val="tx1"/>
+                </a:solidFill>
+                <a:latin typeface="+mn-lt"/>
+                <a:ea typeface="+mn-ea"/>
+                <a:cs typeface="+mn-cs"/>
+              </a:defRPr>
+            </a:lvl5pPr>
+            <a:lvl6pPr marL="2514600" indent="-228600" algn="l" defTabSz="914400" rtl="0" eaLnBrk="1" latinLnBrk="0" hangingPunct="1">
+              <a:spcBef>
+                <a:spcPct val="20000"/>
+              </a:spcBef>
+              <a:buFont typeface="Arial" pitchFamily="34" charset="0"/>
+              <a:buChar char="•"/>
+              <a:defRPr sz="2000" kern="1200">
+                <a:solidFill>
+                  <a:schemeClr val="tx1"/>
+                </a:solidFill>
+                <a:latin typeface="+mn-lt"/>
+                <a:ea typeface="+mn-ea"/>
+                <a:cs typeface="+mn-cs"/>
+              </a:defRPr>
+            </a:lvl6pPr>
+            <a:lvl7pPr marL="2971800" indent="-228600" algn="l" defTabSz="914400" rtl="0" eaLnBrk="1" latinLnBrk="0" hangingPunct="1">
+              <a:spcBef>
+                <a:spcPct val="20000"/>
+              </a:spcBef>
+              <a:buFont typeface="Arial" pitchFamily="34" charset="0"/>
+              <a:buChar char="•"/>
+              <a:defRPr sz="2000" kern="1200">
+                <a:solidFill>
+                  <a:schemeClr val="tx1"/>
+                </a:solidFill>
+                <a:latin typeface="+mn-lt"/>
+                <a:ea typeface="+mn-ea"/>
+                <a:cs typeface="+mn-cs"/>
+              </a:defRPr>
+            </a:lvl7pPr>
+            <a:lvl8pPr marL="3429000" indent="-228600" algn="l" defTabSz="914400" rtl="0" eaLnBrk="1" latinLnBrk="0" hangingPunct="1">
+              <a:spcBef>
+                <a:spcPct val="20000"/>
+              </a:spcBef>
+              <a:buFont typeface="Arial" pitchFamily="34" charset="0"/>
+              <a:buChar char="•"/>
+              <a:defRPr sz="2000" kern="1200">
+                <a:solidFill>
+                  <a:schemeClr val="tx1"/>
+                </a:solidFill>
+                <a:latin typeface="+mn-lt"/>
+                <a:ea typeface="+mn-ea"/>
+                <a:cs typeface="+mn-cs"/>
+              </a:defRPr>
+            </a:lvl8pPr>
+            <a:lvl9pPr marL="3886200" indent="-228600" algn="l" defTabSz="914400" rtl="0" eaLnBrk="1" latinLnBrk="0" hangingPunct="1">
+              <a:spcBef>
+                <a:spcPct val="20000"/>
+              </a:spcBef>
+              <a:buFont typeface="Arial" pitchFamily="34" charset="0"/>
+              <a:buChar char="•"/>
+              <a:defRPr sz="2000" kern="1200">
+                <a:solidFill>
+                  <a:schemeClr val="tx1"/>
+                </a:solidFill>
+                <a:latin typeface="+mn-lt"/>
+                <a:ea typeface="+mn-ea"/>
+                <a:cs typeface="+mn-cs"/>
+              </a:defRPr>
+            </a:lvl9pPr>
+          </a:lstStyle>
+          <a:p>
+            <a:endParaRPr lang="en-US" b="1" dirty="0"/>
+          </a:p>
+          <a:p>
+            <a:pPr lvl="1">
+              <a:buFont typeface="Arial" pitchFamily="34" charset="0"/>
+              <a:buChar char="•"/>
+            </a:pPr>
+            <a:r>
+              <a:rPr lang="en-US" dirty="0"/>
+              <a:t>⚡️ Thunder</a:t>
+            </a:r>
+          </a:p>
+          <a:p>
+            <a:pPr lvl="1">
+              <a:buFont typeface="Arial" pitchFamily="34" charset="0"/>
+              <a:buChar char="•"/>
+            </a:pPr>
+            <a:r>
+              <a:rPr lang="en-US" dirty="0"/>
+              <a:t>🌪 Tornado</a:t>
+            </a:r>
+          </a:p>
+          <a:p>
+            <a:pPr lvl="1">
+              <a:buFont typeface="Arial" pitchFamily="34" charset="0"/>
+              <a:buChar char="•"/>
+            </a:pPr>
+            <a:r>
+              <a:rPr lang="en-US" dirty="0"/>
+              <a:t>🌨 Hail</a:t>
             </a:r>
           </a:p>
         </p:txBody>
@@ -5070,7 +5752,7 @@
     </p:spTree>
     <p:extLst>
       <p:ext uri="{BB962C8B-B14F-4D97-AF65-F5344CB8AC3E}">
-        <p14:creationId xmlns:p14="http://schemas.microsoft.com/office/powerpoint/2010/main" val="4240120593"/>
+        <p14:creationId xmlns:p14="http://schemas.microsoft.com/office/powerpoint/2010/main" val="2564482186"/>
       </p:ext>
     </p:extLst>
   </p:cSld>
@@ -5176,12 +5858,8 @@
             </a:pPr>
             <a:r>
               <a:rPr lang="en-US" dirty="0"/>
-              <a:t>By analyzing this data, we can observe how each country listens to music, their favorite artists and other interesting information</a:t>
-            </a:r>
-          </a:p>
-          <a:p>
-            <a:pPr lvl="1"/>
-            <a:endParaRPr lang="en-US" dirty="0"/>
+              <a:t>By crossing this data with daily weather conditions for 2017 on each of the 53 countries, we can observe how each country’s weather influences its people music habits</a:t>
+            </a:r>
           </a:p>
         </p:txBody>
       </p:sp>
@@ -5357,7 +6035,7 @@
         <p:spPr>
           <a:xfrm>
             <a:off x="457200" y="1285860"/>
-            <a:ext cx="8579296" cy="5214974"/>
+            <a:ext cx="8147248" cy="5214974"/>
           </a:xfrm>
         </p:spPr>
         <p:txBody>
@@ -5368,7 +6046,7 @@
           <a:p>
             <a:r>
               <a:rPr lang="en-US" sz="4000" dirty="0"/>
-              <a:t>Dataset description</a:t>
+              <a:t>Music dataset description</a:t>
             </a:r>
           </a:p>
           <a:p>
@@ -5386,16 +6064,6 @@
             <a:r>
               <a:rPr lang="en-US" dirty="0"/>
               <a:t>Top 200 songs streamed each day, for each of the 53 countries, from 2017/01/01 to 2018/01/09</a:t>
-            </a:r>
-          </a:p>
-          <a:p>
-            <a:pPr lvl="1">
-              <a:buFont typeface="Arial" panose="020B0604020202020204" pitchFamily="34" charset="0"/>
-              <a:buChar char="•"/>
-            </a:pPr>
-            <a:r>
-              <a:rPr lang="en-US" dirty="0"/>
-              <a:t>Each entry of the dataset has its position on the chart, the title, the artist(s), the number of streams, the date, the URL to Spotify and the country</a:t>
             </a:r>
           </a:p>
           <a:p>
@@ -5457,12 +6125,12 @@
       </p:grpSpPr>
       <p:sp>
         <p:nvSpPr>
-          <p:cNvPr id="6" name="Text Placeholder 5"/>
-          <p:cNvSpPr>
-            <a:spLocks noGrp="1"/>
-          </p:cNvSpPr>
-          <p:nvPr>
-            <p:ph type="body" sz="quarter" idx="11"/>
+          <p:cNvPr id="2" name="Title 1"/>
+          <p:cNvSpPr>
+            <a:spLocks noGrp="1"/>
+          </p:cNvSpPr>
+          <p:nvPr>
+            <p:ph type="title"/>
           </p:nvPr>
         </p:nvSpPr>
         <p:spPr/>
@@ -5470,71 +6138,97 @@
           <a:bodyPr/>
           <a:lstStyle/>
           <a:p>
-            <a:endParaRPr lang="en-US" dirty="0"/>
-          </a:p>
-        </p:txBody>
-      </p:sp>
-      <p:sp>
-        <p:nvSpPr>
-          <p:cNvPr id="29" name="Text Placeholder 28"/>
-          <p:cNvSpPr>
-            <a:spLocks noGrp="1"/>
-          </p:cNvSpPr>
-          <p:nvPr>
-            <p:ph type="body" sz="quarter" idx="10"/>
-          </p:nvPr>
-        </p:nvSpPr>
-        <p:spPr/>
-        <p:txBody>
-          <a:bodyPr/>
-          <a:lstStyle/>
-          <a:p>
-            <a:r>
-              <a:rPr lang="pt-PT" sz="16600" dirty="0"/>
-              <a:t>03</a:t>
-            </a:r>
-          </a:p>
-        </p:txBody>
-      </p:sp>
-      <p:sp>
-        <p:nvSpPr>
-          <p:cNvPr id="4" name="Title 3"/>
-          <p:cNvSpPr>
-            <a:spLocks noGrp="1"/>
-          </p:cNvSpPr>
-          <p:nvPr>
-            <p:ph type="title"/>
+            <a:r>
+              <a:rPr lang="en-US" dirty="0"/>
+              <a:t>Dataset</a:t>
+            </a:r>
+            <a:endParaRPr lang="pt-PT" dirty="0"/>
+          </a:p>
+        </p:txBody>
+      </p:sp>
+      <p:sp>
+        <p:nvSpPr>
+          <p:cNvPr id="3" name="Content Placeholder 2"/>
+          <p:cNvSpPr>
+            <a:spLocks noGrp="1"/>
+          </p:cNvSpPr>
+          <p:nvPr>
+            <p:ph idx="1"/>
           </p:nvPr>
         </p:nvSpPr>
         <p:spPr>
           <a:xfrm>
-            <a:off x="2281222" y="3214686"/>
-            <a:ext cx="6786578" cy="3033714"/>
+            <a:off x="457200" y="1285860"/>
+            <a:ext cx="8147248" cy="5214974"/>
           </a:xfrm>
-          <a:solidFill>
-            <a:srgbClr val="FFFFFF">
-              <a:alpha val="80000"/>
-            </a:srgbClr>
-          </a:solidFill>
         </p:spPr>
         <p:txBody>
-          <a:bodyPr rIns="288000">
+          <a:bodyPr>
             <a:noAutofit/>
           </a:bodyPr>
           <a:lstStyle/>
           <a:p>
-            <a:pPr marL="0" algn="r"/>
-            <a:r>
-              <a:rPr lang="pt-PT" sz="6000" dirty="0"/>
-              <a:t>TASKS</a:t>
-            </a:r>
+            <a:r>
+              <a:rPr lang="en-US" sz="4000" dirty="0"/>
+              <a:t>Weather dataset description</a:t>
+            </a:r>
+          </a:p>
+          <a:p>
+            <a:pPr lvl="1"/>
+            <a:r>
+              <a:rPr lang="en-US" sz="3600" dirty="0"/>
+              <a:t>Which dataset?</a:t>
+            </a:r>
+          </a:p>
+          <a:p>
+            <a:pPr lvl="1">
+              <a:buFont typeface="Arial" panose="020B0604020202020204" pitchFamily="34" charset="0"/>
+              <a:buChar char="•"/>
+            </a:pPr>
+            <a:r>
+              <a:rPr lang="en-US" dirty="0"/>
+              <a:t>2017 daily weather conditions for each capital of the 53 countries Spotify is available in</a:t>
+            </a:r>
+          </a:p>
+          <a:p>
+            <a:pPr lvl="1"/>
+            <a:r>
+              <a:rPr lang="en-US" sz="3600" dirty="0"/>
+              <a:t>How will you obtain the data?</a:t>
+            </a:r>
+          </a:p>
+          <a:p>
+            <a:pPr lvl="1">
+              <a:buFont typeface="Arial" panose="020B0604020202020204" pitchFamily="34" charset="0"/>
+              <a:buChar char="•"/>
+            </a:pPr>
+            <a:r>
+              <a:rPr lang="en-US" dirty="0"/>
+              <a:t>The dataset can be obtained via the U.S. government’s own National Centers for Environmental Information (https://</a:t>
+            </a:r>
+            <a:r>
+              <a:rPr lang="en-US" dirty="0" err="1"/>
+              <a:t>bit.ly</a:t>
+            </a:r>
+            <a:r>
+              <a:rPr lang="en-US" dirty="0"/>
+              <a:t>/2PiSfDQ)</a:t>
+            </a:r>
+          </a:p>
+          <a:p>
+            <a:pPr lvl="1"/>
+            <a:endParaRPr lang="en-US" sz="3600" dirty="0"/>
+          </a:p>
+          <a:p>
+            <a:pPr lvl="1"/>
+            <a:endParaRPr lang="en-US" dirty="0"/>
           </a:p>
         </p:txBody>
       </p:sp>
     </p:spTree>
     <p:extLst>
       <p:ext uri="{BB962C8B-B14F-4D97-AF65-F5344CB8AC3E}">
-        <p14:creationId xmlns:p14="http://schemas.microsoft.com/office/powerpoint/2010/main" val="760072998"/>
+        <p14:creationId xmlns:p14="http://schemas.microsoft.com/office/powerpoint/2010/main" val="205349245"/>
       </p:ext>
     </p:extLst>
   </p:cSld>
@@ -5563,98 +6257,84 @@
       </p:grpSpPr>
       <p:sp>
         <p:nvSpPr>
-          <p:cNvPr id="2" name="Title 1"/>
+          <p:cNvPr id="6" name="Text Placeholder 5"/>
+          <p:cNvSpPr>
+            <a:spLocks noGrp="1"/>
+          </p:cNvSpPr>
+          <p:nvPr>
+            <p:ph type="body" sz="quarter" idx="11"/>
+          </p:nvPr>
+        </p:nvSpPr>
+        <p:spPr/>
+        <p:txBody>
+          <a:bodyPr/>
+          <a:lstStyle/>
+          <a:p>
+            <a:endParaRPr lang="en-US" dirty="0"/>
+          </a:p>
+        </p:txBody>
+      </p:sp>
+      <p:sp>
+        <p:nvSpPr>
+          <p:cNvPr id="29" name="Text Placeholder 28"/>
+          <p:cNvSpPr>
+            <a:spLocks noGrp="1"/>
+          </p:cNvSpPr>
+          <p:nvPr>
+            <p:ph type="body" sz="quarter" idx="10"/>
+          </p:nvPr>
+        </p:nvSpPr>
+        <p:spPr/>
+        <p:txBody>
+          <a:bodyPr/>
+          <a:lstStyle/>
+          <a:p>
+            <a:r>
+              <a:rPr lang="pt-PT" sz="16600" dirty="0"/>
+              <a:t>03</a:t>
+            </a:r>
+          </a:p>
+        </p:txBody>
+      </p:sp>
+      <p:sp>
+        <p:nvSpPr>
+          <p:cNvPr id="4" name="Title 3"/>
           <p:cNvSpPr>
             <a:spLocks noGrp="1"/>
           </p:cNvSpPr>
           <p:nvPr>
             <p:ph type="title"/>
-          </p:nvPr>
-        </p:nvSpPr>
-        <p:spPr/>
-        <p:txBody>
-          <a:bodyPr/>
-          <a:lstStyle/>
-          <a:p>
-            <a:r>
-              <a:rPr lang="en-US" dirty="0"/>
-              <a:t>Tasks</a:t>
-            </a:r>
-            <a:endParaRPr lang="pt-PT" dirty="0"/>
-          </a:p>
-        </p:txBody>
-      </p:sp>
-      <p:sp>
-        <p:nvSpPr>
-          <p:cNvPr id="3" name="Content Placeholder 2"/>
-          <p:cNvSpPr>
-            <a:spLocks noGrp="1"/>
-          </p:cNvSpPr>
-          <p:nvPr>
-            <p:ph idx="1"/>
           </p:nvPr>
         </p:nvSpPr>
         <p:spPr>
           <a:xfrm>
-            <a:off x="457200" y="1094346"/>
-            <a:ext cx="8229600" cy="5214974"/>
+            <a:off x="2281222" y="3214686"/>
+            <a:ext cx="6786578" cy="3033714"/>
           </a:xfrm>
+          <a:solidFill>
+            <a:srgbClr val="FFFFFF">
+              <a:alpha val="80000"/>
+            </a:srgbClr>
+          </a:solidFill>
         </p:spPr>
         <p:txBody>
-          <a:bodyPr>
+          <a:bodyPr rIns="288000">
             <a:noAutofit/>
           </a:bodyPr>
           <a:lstStyle/>
           <a:p>
-            <a:r>
-              <a:rPr lang="en-US" sz="3600" dirty="0"/>
-              <a:t>Discover</a:t>
-            </a:r>
-            <a:endParaRPr lang="en-US" sz="3200" dirty="0"/>
-          </a:p>
-          <a:p>
-            <a:pPr lvl="1"/>
-            <a:r>
-              <a:rPr lang="en-US" sz="3200" dirty="0"/>
-              <a:t>Find new music to listen based on the tops</a:t>
-            </a:r>
-          </a:p>
-          <a:p>
-            <a:r>
-              <a:rPr lang="en-US" sz="3600" dirty="0"/>
-              <a:t>Identify</a:t>
-            </a:r>
-            <a:endParaRPr lang="en-US" sz="3200" dirty="0"/>
-          </a:p>
-          <a:p>
-            <a:pPr marL="446088" lvl="1" indent="11113"/>
-            <a:r>
-              <a:rPr lang="en-US" sz="3200" dirty="0"/>
-              <a:t>Given a song title or artist, identify the top countries where it was most listened and vice-versa</a:t>
-            </a:r>
-            <a:endParaRPr lang="en-US" sz="2400" dirty="0"/>
-          </a:p>
-          <a:p>
-            <a:r>
-              <a:rPr lang="en-US" sz="3600" dirty="0"/>
-              <a:t>Compare</a:t>
-            </a:r>
-            <a:endParaRPr lang="en-US" sz="3200" dirty="0"/>
-          </a:p>
-          <a:p>
-            <a:pPr marL="446088" lvl="1" indent="11113"/>
-            <a:r>
-              <a:rPr lang="en-US" sz="3200" dirty="0"/>
-              <a:t>Select two artists or two songs to see which has more streams in a given country </a:t>
-            </a:r>
-            <a:endParaRPr lang="en-US" sz="2400" dirty="0"/>
+            <a:pPr marL="0" algn="r"/>
+            <a:r>
+              <a:rPr lang="pt-PT" sz="6000" dirty="0"/>
+              <a:t>TASKS</a:t>
+            </a:r>
           </a:p>
         </p:txBody>
       </p:sp>
     </p:spTree>
     <p:extLst>
       <p:ext uri="{BB962C8B-B14F-4D97-AF65-F5344CB8AC3E}">
-        <p14:creationId xmlns:p14="http://schemas.microsoft.com/office/powerpoint/2010/main" val="1967416131"/>
+        <p14:creationId xmlns:p14="http://schemas.microsoft.com/office/powerpoint/2010/main" val="760072998"/>
       </p:ext>
     </p:extLst>
   </p:cSld>

--- a/Lab 02/Lab 02.pptx
+++ b/Lab 02/Lab 02.pptx
@@ -226,7 +226,7 @@
           <a:p>
             <a:fld id="{745C36E7-9E00-462E-80A3-32F2BE615C7A}" type="datetimeFigureOut">
               <a:rPr lang="en-US" smtClean="0"/>
-              <a:t>10/7/18</a:t>
+              <a:t>10/8/18</a:t>
             </a:fld>
             <a:endParaRPr lang="en-US"/>
           </a:p>
@@ -392,7 +392,7 @@
             <a:fld id="{01F3E309-ED8D-4193-99AF-E5EA90965E98}" type="datetimeFigureOut">
               <a:rPr lang="en-US" smtClean="0"/>
               <a:pPr/>
-              <a:t>10/7/18</a:t>
+              <a:t>10/8/18</a:t>
             </a:fld>
             <a:endParaRPr lang="en-US"/>
           </a:p>
@@ -2045,7 +2045,7 @@
             <a:fld id="{F3CC9924-33BC-4796-B0F9-D37DB5D899BF}" type="datetimeFigureOut">
               <a:rPr lang="pt-PT" smtClean="0"/>
               <a:pPr/>
-              <a:t>07/10/18</a:t>
+              <a:t>08/10/18</a:t>
             </a:fld>
             <a:endParaRPr lang="pt-PT"/>
           </a:p>
